--- a/trunk/Course/513 Electronic Commerce Technology/project2/subscenarios.pptx
+++ b/trunk/Course/513 Electronic Commerce Technology/project2/subscenarios.pptx
@@ -8205,9 +8205,9 @@
         <p:grpSpPr>
           <a:xfrm>
             <a:off x="3448282" y="2313842"/>
-            <a:ext cx="2162611" cy="914400"/>
+            <a:ext cx="2158393" cy="914400"/>
             <a:chOff x="2257778" y="1030110"/>
-            <a:chExt cx="2162611" cy="914400"/>
+            <a:chExt cx="2158393" cy="914400"/>
           </a:xfrm>
         </p:grpSpPr>
         <p:sp>
@@ -8368,7 +8368,7 @@
           </p:nvSpPr>
           <p:spPr>
             <a:xfrm>
-              <a:off x="3157100" y="1076864"/>
+              <a:off x="3142782" y="1541615"/>
               <a:ext cx="1192078" cy="369332"/>
             </a:xfrm>
             <a:prstGeom prst="rect">
@@ -8406,7 +8406,7 @@
           </p:nvSpPr>
           <p:spPr>
             <a:xfrm>
-              <a:off x="3142989" y="1487310"/>
+              <a:off x="3135276" y="1114125"/>
               <a:ext cx="1277400" cy="369332"/>
             </a:xfrm>
             <a:prstGeom prst="rect">
@@ -13263,7 +13263,7 @@
           <p:spPr>
             <a:xfrm flipH="1">
               <a:off x="3048001" y="1487310"/>
-              <a:ext cx="1368170" cy="16933"/>
+              <a:ext cx="1368170" cy="16932"/>
             </a:xfrm>
             <a:prstGeom prst="line">
               <a:avLst/>
@@ -13336,8 +13336,8 @@
           </p:nvSpPr>
           <p:spPr>
             <a:xfrm>
-              <a:off x="3157100" y="1076864"/>
-              <a:ext cx="800307" cy="261610"/>
+              <a:off x="3047999" y="1470683"/>
+              <a:ext cx="800306" cy="261610"/>
             </a:xfrm>
             <a:prstGeom prst="rect">
               <a:avLst/>
@@ -13374,8 +13374,8 @@
           </p:nvSpPr>
           <p:spPr>
             <a:xfrm>
-              <a:off x="3142989" y="1487310"/>
-              <a:ext cx="852448" cy="261610"/>
+              <a:off x="3064534" y="1042210"/>
+              <a:ext cx="852449" cy="261610"/>
             </a:xfrm>
             <a:prstGeom prst="rect">
               <a:avLst/>
